--- a/L1/L1.pptx
+++ b/L1/L1.pptx
@@ -13303,7 +13303,7 @@
                 <a:hlinkClick r:id="rId5">
                   <a:extLst>
                     <a:ext uri="{A12FA001-AC4F-418D-AE19-62706E023703}">
-                      <ahyp:hlinkClr xmlns="" xmlns:mc="http://schemas.openxmlformats.org/markup-compatibility/2006" xmlns:mv="urn:schemas-microsoft-com:mac:vml" xmlns:c="http://schemas.openxmlformats.org/drawingml/2006/chart" xmlns:dgm="http://schemas.openxmlformats.org/drawingml/2006/diagram" xmlns:o="urn:schemas-microsoft-com:office:office" xmlns:v="urn:schemas-microsoft-com:vml" xmlns:pvml="urn:schemas-microsoft-com:office:powerpoint" xmlns:com="http://schemas.openxmlformats.org/drawingml/2006/compatibility" xmlns:p14="http://schemas.microsoft.com/office/powerpoint/2010/main" xmlns:p15="http://schemas.microsoft.com/office/powerpoint/2012/main" xmlns:ahyp="http://schemas.microsoft.com/office/drawing/2018/hyperlinkcolor" val="tx"/>
+                      <ahyp:hlinkClr xmlns:ahyp="http://schemas.microsoft.com/office/drawing/2018/hyperlinkcolor" xmlns:p15="http://schemas.microsoft.com/office/powerpoint/2012/main" xmlns:p14="http://schemas.microsoft.com/office/powerpoint/2010/main" xmlns:com="http://schemas.openxmlformats.org/drawingml/2006/compatibility" xmlns:pvml="urn:schemas-microsoft-com:office:powerpoint" xmlns:v="urn:schemas-microsoft-com:vml" xmlns:o="urn:schemas-microsoft-com:office:office" xmlns:dgm="http://schemas.openxmlformats.org/drawingml/2006/diagram" xmlns:c="http://schemas.openxmlformats.org/drawingml/2006/chart" xmlns:mv="urn:schemas-microsoft-com:mac:vml" xmlns:mc="http://schemas.openxmlformats.org/markup-compatibility/2006" xmlns="" val="tx"/>
                     </a:ext>
                   </a:extLst>
                 </a:hlinkClick>
@@ -14138,11 +14138,7 @@
                       </a:pPr>
                       <a:r>
                         <a:rPr lang="en-US" sz="1050" dirty="0" smtClean="0"/>
-                        <a:t>Built-In (</a:t>
-                      </a:r>
-                      <a:r>
-                        <a:rPr lang="en-US" sz="1050" dirty="0" smtClean="0"/>
-                        <a:t>Services),</a:t>
+                        <a:t>Built-In (Services),</a:t>
                       </a:r>
                       <a:r>
                         <a:rPr lang="en-US" sz="1050" baseline="0" dirty="0" smtClean="0"/>
@@ -14963,11 +14959,7 @@
                       </a:pPr>
                       <a:r>
                         <a:rPr lang="en-US" sz="1050" dirty="0" smtClean="0"/>
-                        <a:t>angular/@material, </a:t>
-                      </a:r>
-                      <a:r>
-                        <a:rPr lang="en-US" sz="1050" dirty="0" smtClean="0"/>
-                        <a:t>NG Bootstrap</a:t>
+                        <a:t>angular/@material, NG Bootstrap</a:t>
                       </a:r>
                       <a:endParaRPr sz="1050" dirty="0"/>
                     </a:p>
@@ -17696,13 +17688,8 @@
                       </a:pPr>
                       <a:r>
                         <a:rPr lang="en-US" sz="1050" baseline="0" dirty="0" smtClean="0"/>
-                        <a:t>Built-In (Jasmine</a:t>
+                        <a:t>Built-In (Jasmine), @angular/core/testing</a:t>
                       </a:r>
-                      <a:r>
-                        <a:rPr lang="en-US" sz="1050" baseline="0" dirty="0" smtClean="0"/>
-                        <a:t>), @angular/core/testing</a:t>
-                      </a:r>
-                      <a:endParaRPr lang="en-US" sz="1050" baseline="0" dirty="0" smtClean="0"/>
                     </a:p>
                   </a:txBody>
                   <a:tcPr marL="91425" marR="91425" marT="91425" marB="91425">
@@ -24734,7 +24721,43 @@
               <a:rPr lang="ru-RU" sz="1500" dirty="0" smtClean="0">
                 <a:latin typeface="+mn-lt"/>
               </a:rPr>
-              <a:t>Добавить в верхнюю часть списка сотрудников текстовое поле и кнопку, позволяющие осуществлять фильтрацию списка сотрудников по нажатии данной кнопки.</a:t>
+              <a:t>Добавить в верхнюю часть списка сотрудников текстовое поле и кнопку, позволяющие осуществлять фильтрацию списка сотрудников по нажатии данной кнопки</a:t>
+            </a:r>
+            <a:r>
+              <a:rPr lang="ru-RU" sz="1500" dirty="0" smtClean="0">
+                <a:latin typeface="+mn-lt"/>
+              </a:rPr>
+              <a:t>.</a:t>
+            </a:r>
+          </a:p>
+          <a:p>
+            <a:pPr marL="457200" lvl="0" indent="-292100" algn="l" rtl="0">
+              <a:lnSpc>
+                <a:spcPct val="150000"/>
+              </a:lnSpc>
+              <a:spcBef>
+                <a:spcPts val="0"/>
+              </a:spcBef>
+              <a:spcAft>
+                <a:spcPts val="0"/>
+              </a:spcAft>
+              <a:buClr>
+                <a:srgbClr val="FF0000"/>
+              </a:buClr>
+              <a:buSzPts val="1000"/>
+              <a:buChar char="■"/>
+            </a:pPr>
+            <a:r>
+              <a:rPr lang="ru-RU" sz="1500" smtClean="0">
+                <a:latin typeface="+mn-lt"/>
+              </a:rPr>
+              <a:t>Добавить черновую стилизацию </a:t>
+            </a:r>
+            <a:r>
+              <a:rPr lang="ru-RU" sz="1500" dirty="0" smtClean="0">
+                <a:latin typeface="+mn-lt"/>
+              </a:rPr>
+              <a:t>в приложение</a:t>
             </a:r>
             <a:endParaRPr lang="ru-RU" sz="1500" dirty="0">
               <a:latin typeface="+mn-lt"/>
@@ -29000,6 +29023,13 @@
   <p:clrMapOvr>
     <a:masterClrMapping/>
   </p:clrMapOvr>
+  <p:timing>
+    <p:tnLst>
+      <p:par>
+        <p:cTn id="1" dur="indefinite" restart="never" nodeType="tmRoot"/>
+      </p:par>
+    </p:tnLst>
+  </p:timing>
 </p:sld>
 </file>
 
@@ -33503,11 +33533,7 @@
                       </a:r>
                       <a:r>
                         <a:rPr lang="ru-RU" sz="1100" dirty="0" smtClean="0"/>
-                        <a:t>компонент </a:t>
-                      </a:r>
-                      <a:r>
-                        <a:rPr lang="ru-RU" sz="1100" dirty="0" smtClean="0"/>
-                        <a:t>(отдельные</a:t>
+                        <a:t>компонент (отдельные</a:t>
                       </a:r>
                       <a:r>
                         <a:rPr lang="ru-RU" sz="1100" baseline="0" dirty="0" smtClean="0"/>
@@ -33517,7 +33543,6 @@
                         <a:rPr lang="ru-RU" sz="1100" dirty="0" smtClean="0"/>
                         <a:t>)</a:t>
                       </a:r>
-                      <a:endParaRPr lang="ru-RU" sz="1100" dirty="0" smtClean="0"/>
                     </a:p>
                     <a:p>
                       <a:pPr marL="0" lvl="0" indent="0" algn="ctr" rtl="0">
@@ -34306,11 +34331,7 @@
                       </a:r>
                       <a:r>
                         <a:rPr lang="ru-RU" sz="1100" baseline="0" dirty="0" smtClean="0"/>
-                        <a:t> бюрократичный синтаксис с большим количеством кода на </a:t>
-                      </a:r>
-                      <a:r>
-                        <a:rPr lang="ru-RU" sz="1100" baseline="0" dirty="0" smtClean="0"/>
-                        <a:t>компонент</a:t>
+                        <a:t> бюрократичный синтаксис с большим количеством кода на компонент</a:t>
                       </a:r>
                       <a:r>
                         <a:rPr lang="en-US" sz="1100" baseline="0" dirty="0" smtClean="0"/>
@@ -34324,7 +34345,6 @@
                         <a:rPr lang="ru-RU" sz="1100" baseline="0" dirty="0" smtClean="0"/>
                         <a:t>)</a:t>
                       </a:r>
-                      <a:endParaRPr lang="ru-RU" sz="1100" baseline="0" dirty="0" smtClean="0"/>
                     </a:p>
                     <a:p>
                       <a:pPr marL="171450" lvl="0" indent="-171450" algn="l" rtl="0">
@@ -34380,11 +34400,7 @@
                       </a:r>
                       <a:r>
                         <a:rPr lang="ru-RU" sz="1100" baseline="0" dirty="0" smtClean="0"/>
-                        <a:t> низкая скорость </a:t>
-                      </a:r>
-                      <a:r>
-                        <a:rPr lang="ru-RU" sz="1100" baseline="0" dirty="0" smtClean="0"/>
-                        <a:t>разработки </a:t>
+                        <a:t> низкая скорость разработки </a:t>
                       </a:r>
                       <a:endParaRPr sz="1100" dirty="0"/>
                     </a:p>
@@ -35138,11 +35154,7 @@
                       </a:r>
                       <a:r>
                         <a:rPr lang="ru-RU" sz="1100" dirty="0" smtClean="0"/>
-                        <a:t> </a:t>
-                      </a:r>
-                      <a:r>
-                        <a:rPr lang="ru-RU" sz="1100" dirty="0" smtClean="0"/>
-                        <a:t>компоненты</a:t>
+                        <a:t> компоненты</a:t>
                       </a:r>
                       <a:r>
                         <a:rPr lang="en-US" sz="1100" dirty="0" smtClean="0"/>
@@ -35152,7 +35164,6 @@
                         <a:rPr lang="ru-RU" sz="1100" dirty="0" smtClean="0"/>
                         <a:t>по умолчанию</a:t>
                       </a:r>
-                      <a:endParaRPr lang="ru-RU" sz="1100" dirty="0" smtClean="0"/>
                     </a:p>
                     <a:p>
                       <a:pPr marL="171450" lvl="0" indent="-171450" algn="l" rtl="0">
